--- a/The Human Factor August 2022/presentation-outline.pptx
+++ b/The Human Factor August 2022/presentation-outline.pptx
@@ -314,7 +314,7 @@
           <a:p>
             <a:fld id="{E656CA22-E3B3-4599-AB0B-CBB51CF6DFD4}" type="datetimeFigureOut">
               <a:rPr lang="en-US" smtClean="0"/>
-              <a:t>9/1/2022</a:t>
+              <a:t>9/6/2022</a:t>
             </a:fld>
             <a:endParaRPr lang="en-US"/>
           </a:p>
@@ -479,7 +479,7 @@
           <a:p>
             <a:fld id="{E656CA22-E3B3-4599-AB0B-CBB51CF6DFD4}" type="datetimeFigureOut">
               <a:rPr lang="en-US" smtClean="0"/>
-              <a:t>9/1/2022</a:t>
+              <a:t>9/6/2022</a:t>
             </a:fld>
             <a:endParaRPr lang="en-US"/>
           </a:p>
@@ -654,7 +654,7 @@
           <a:p>
             <a:fld id="{E656CA22-E3B3-4599-AB0B-CBB51CF6DFD4}" type="datetimeFigureOut">
               <a:rPr lang="en-US" smtClean="0"/>
-              <a:t>9/1/2022</a:t>
+              <a:t>9/6/2022</a:t>
             </a:fld>
             <a:endParaRPr lang="en-US"/>
           </a:p>
@@ -819,7 +819,7 @@
           <a:p>
             <a:fld id="{E656CA22-E3B3-4599-AB0B-CBB51CF6DFD4}" type="datetimeFigureOut">
               <a:rPr lang="en-US" smtClean="0"/>
-              <a:t>9/1/2022</a:t>
+              <a:t>9/6/2022</a:t>
             </a:fld>
             <a:endParaRPr lang="en-US"/>
           </a:p>
@@ -1058,7 +1058,7 @@
           <a:p>
             <a:fld id="{E656CA22-E3B3-4599-AB0B-CBB51CF6DFD4}" type="datetimeFigureOut">
               <a:rPr lang="en-US" smtClean="0"/>
-              <a:t>9/1/2022</a:t>
+              <a:t>9/6/2022</a:t>
             </a:fld>
             <a:endParaRPr lang="en-US"/>
           </a:p>
@@ -1148,7 +1148,7 @@
           <a:p>
             <a:fld id="{E656CA22-E3B3-4599-AB0B-CBB51CF6DFD4}" type="datetimeFigureOut">
               <a:rPr lang="en-US" smtClean="0"/>
-              <a:t>9/1/2022</a:t>
+              <a:t>9/6/2022</a:t>
             </a:fld>
             <a:endParaRPr lang="en-US"/>
           </a:p>
@@ -1522,7 +1522,7 @@
           <a:p>
             <a:fld id="{E656CA22-E3B3-4599-AB0B-CBB51CF6DFD4}" type="datetimeFigureOut">
               <a:rPr lang="en-US" smtClean="0"/>
-              <a:t>9/1/2022</a:t>
+              <a:t>9/6/2022</a:t>
             </a:fld>
             <a:endParaRPr lang="en-US"/>
           </a:p>
@@ -1777,7 +1777,7 @@
           <a:p>
             <a:fld id="{E656CA22-E3B3-4599-AB0B-CBB51CF6DFD4}" type="datetimeFigureOut">
               <a:rPr lang="en-US" smtClean="0"/>
-              <a:t>9/1/2022</a:t>
+              <a:t>9/6/2022</a:t>
             </a:fld>
             <a:endParaRPr lang="en-US"/>
           </a:p>
@@ -1867,7 +1867,7 @@
           <a:p>
             <a:fld id="{E656CA22-E3B3-4599-AB0B-CBB51CF6DFD4}" type="datetimeFigureOut">
               <a:rPr lang="en-US" smtClean="0"/>
-              <a:t>9/1/2022</a:t>
+              <a:t>9/6/2022</a:t>
             </a:fld>
             <a:endParaRPr lang="en-US"/>
           </a:p>
@@ -2141,7 +2141,7 @@
           <a:p>
             <a:fld id="{E656CA22-E3B3-4599-AB0B-CBB51CF6DFD4}" type="datetimeFigureOut">
               <a:rPr lang="en-US" smtClean="0"/>
-              <a:t>9/1/2022</a:t>
+              <a:t>9/6/2022</a:t>
             </a:fld>
             <a:endParaRPr lang="en-US"/>
           </a:p>
@@ -2413,7 +2413,7 @@
           <a:p>
             <a:fld id="{E656CA22-E3B3-4599-AB0B-CBB51CF6DFD4}" type="datetimeFigureOut">
               <a:rPr lang="en-US" smtClean="0"/>
-              <a:t>9/1/2022</a:t>
+              <a:t>9/6/2022</a:t>
             </a:fld>
             <a:endParaRPr lang="en-US"/>
           </a:p>
@@ -2713,7 +2713,7 @@
           <a:p>
             <a:fld id="{E656CA22-E3B3-4599-AB0B-CBB51CF6DFD4}" type="datetimeFigureOut">
               <a:rPr lang="en-US" smtClean="0"/>
-              <a:t>9/1/2022</a:t>
+              <a:t>9/6/2022</a:t>
             </a:fld>
             <a:endParaRPr lang="en-US"/>
           </a:p>
@@ -3197,7 +3197,9 @@
         </p:nvSpPr>
         <p:spPr/>
         <p:txBody>
-          <a:bodyPr/>
+          <a:bodyPr>
+            <a:normAutofit lnSpcReduction="10000"/>
+          </a:bodyPr>
           <a:lstStyle/>
           <a:p>
             <a:r>
@@ -3211,10 +3213,16 @@
               <a:t>Dr. </a:t>
             </a:r>
             <a:r>
-              <a:rPr lang="en-US" dirty="0" err="1" smtClean="0"/>
-              <a:t>Samuel.Danso</a:t>
-            </a:r>
-            <a:endParaRPr lang="en-US" smtClean="0"/>
+              <a:rPr lang="en-US" dirty="0" smtClean="0"/>
+              <a:t>Samuel Danso</a:t>
+            </a:r>
+          </a:p>
+          <a:p>
+            <a:r>
+              <a:rPr lang="en-US" dirty="0"/>
+              <a:t>The Human Factor August 2022</a:t>
+            </a:r>
+            <a:endParaRPr lang="en-US" dirty="0" smtClean="0"/>
           </a:p>
           <a:p>
             <a:endParaRPr lang="en-US" dirty="0"/>
